--- a/Wikiapp_slide.pptx
+++ b/Wikiapp_slide.pptx
@@ -3986,8 +3986,8 @@
           <a:bodyPr/>
           <a:lstStyle/>
           <a:p>
-            <a:fld id="{1160EA64-D806-43AC-9DF2-F8C432F32B4C}" type="datetimeFigureOut">
-              <a:rPr lang="en-US" dirty="0"/>
+            <a:fld id="{6D86CB84-A7B1-4C94-AF60-CC59805E1B91}" type="datetime1">
+              <a:rPr lang="en-US" smtClean="0"/>
               <a:t>11/9/2024</a:t>
             </a:fld>
             <a:endParaRPr lang="en-US" dirty="0"/>
@@ -4152,8 +4152,8 @@
           <a:bodyPr/>
           <a:lstStyle/>
           <a:p>
-            <a:fld id="{E9F9C37B-1D36-470B-8223-D6C91242EC14}" type="datetimeFigureOut">
-              <a:rPr lang="en-US" dirty="0"/>
+            <a:fld id="{4F887BC3-F292-4A8C-827E-FAFD26A1F4B4}" type="datetime1">
+              <a:rPr lang="en-US" smtClean="0"/>
               <a:t>11/9/2024</a:t>
             </a:fld>
             <a:endParaRPr lang="en-US" dirty="0"/>
@@ -4327,8 +4327,8 @@
           <a:bodyPr/>
           <a:lstStyle/>
           <a:p>
-            <a:fld id="{67C6F52A-A82B-47A2-A83A-8C4C91F2D59F}" type="datetimeFigureOut">
-              <a:rPr lang="en-US" dirty="0"/>
+            <a:fld id="{889CCE4E-EE74-4676-8F17-88FA2B72D114}" type="datetime1">
+              <a:rPr lang="en-US" smtClean="0"/>
               <a:t>11/9/2024</a:t>
             </a:fld>
             <a:endParaRPr lang="en-US" dirty="0"/>
@@ -4492,8 +4492,8 @@
           <a:bodyPr/>
           <a:lstStyle/>
           <a:p>
-            <a:fld id="{F070A7B3-6521-4DCA-87E5-044747A908C1}" type="datetimeFigureOut">
-              <a:rPr lang="en-US" dirty="0"/>
+            <a:fld id="{B3945385-14B9-40D8-85AA-DC39B3D9FAF3}" type="datetime1">
+              <a:rPr lang="en-US" smtClean="0"/>
               <a:t>11/9/2024</a:t>
             </a:fld>
             <a:endParaRPr lang="en-US" dirty="0"/>
@@ -4756,8 +4756,8 @@
           <a:bodyPr/>
           <a:lstStyle/>
           <a:p>
-            <a:fld id="{1160EA64-D806-43AC-9DF2-F8C432F32B4C}" type="datetimeFigureOut">
-              <a:rPr lang="en-US" dirty="0"/>
+            <a:fld id="{9BA651E2-712C-404B-8632-F0DBA70A7AC9}" type="datetime1">
+              <a:rPr lang="en-US" smtClean="0"/>
               <a:t>11/9/2024</a:t>
             </a:fld>
             <a:endParaRPr lang="en-US" dirty="0"/>
@@ -4984,8 +4984,8 @@
           <a:bodyPr/>
           <a:lstStyle/>
           <a:p>
-            <a:fld id="{AB134690-1557-4C89-A502-4959FE7FAD70}" type="datetimeFigureOut">
-              <a:rPr lang="en-US" dirty="0"/>
+            <a:fld id="{59BCF2E7-0CE8-463E-B35A-94C97F6CAA14}" type="datetime1">
+              <a:rPr lang="en-US" smtClean="0"/>
               <a:t>11/9/2024</a:t>
             </a:fld>
             <a:endParaRPr lang="en-US" dirty="0"/>
@@ -5338,8 +5338,8 @@
           <a:bodyPr/>
           <a:lstStyle/>
           <a:p>
-            <a:fld id="{4F7D4976-E339-4826-83B7-FBD03F55ECF8}" type="datetimeFigureOut">
-              <a:rPr lang="en-US" dirty="0"/>
+            <a:fld id="{61309A0F-BB24-4F80-B82F-E826A37C0150}" type="datetime1">
+              <a:rPr lang="en-US" smtClean="0"/>
               <a:t>11/9/2024</a:t>
             </a:fld>
             <a:endParaRPr lang="en-US" dirty="0"/>
@@ -5474,8 +5474,8 @@
           <a:bodyPr/>
           <a:lstStyle/>
           <a:p>
-            <a:fld id="{E1037C31-9E7A-4F99-8774-A0E530DE1A42}" type="datetimeFigureOut">
-              <a:rPr lang="en-US" dirty="0"/>
+            <a:fld id="{6CEE89DA-0F37-4705-B1DF-F869F711E16F}" type="datetime1">
+              <a:rPr lang="en-US" smtClean="0"/>
               <a:t>11/9/2024</a:t>
             </a:fld>
             <a:endParaRPr lang="en-US" dirty="0"/>
@@ -5564,8 +5564,8 @@
           <a:bodyPr/>
           <a:lstStyle/>
           <a:p>
-            <a:fld id="{C278504F-A551-4DE0-9316-4DCD1D8CC752}" type="datetimeFigureOut">
-              <a:rPr lang="en-US" dirty="0"/>
+            <a:fld id="{5B79222F-992F-4C28-B15A-02F9FC0E9EE8}" type="datetime1">
+              <a:rPr lang="en-US" smtClean="0"/>
               <a:t>11/9/2024</a:t>
             </a:fld>
             <a:endParaRPr lang="en-US" dirty="0"/>
@@ -5916,8 +5916,8 @@
           <a:bodyPr/>
           <a:lstStyle/>
           <a:p>
-            <a:fld id="{D1BE4249-C0D0-4B06-8692-E8BB871AF643}" type="datetimeFigureOut">
-              <a:rPr lang="en-US" dirty="0"/>
+            <a:fld id="{CBE25BAA-3B0D-4D13-961F-CA9A576B24FD}" type="datetime1">
+              <a:rPr lang="en-US" smtClean="0"/>
               <a:t>11/9/2024</a:t>
             </a:fld>
             <a:endParaRPr lang="en-US" dirty="0"/>
@@ -6268,8 +6268,8 @@
             </a:lvl1pPr>
           </a:lstStyle>
           <a:p>
-            <a:fld id="{042B0DB6-F5C7-45FB-8CF3-31B45F9C2DAC}" type="datetimeFigureOut">
-              <a:rPr lang="en-US" dirty="0"/>
+            <a:fld id="{70136C81-8A83-4F74-8DCE-9A94498682C2}" type="datetime1">
+              <a:rPr lang="en-US" smtClean="0"/>
               <a:t>11/9/2024</a:t>
             </a:fld>
             <a:endParaRPr lang="en-US" dirty="0"/>
@@ -6505,8 +6505,8 @@
             </a:lvl1pPr>
           </a:lstStyle>
           <a:p>
-            <a:fld id="{1160EA64-D806-43AC-9DF2-F8C432F32B4C}" type="datetimeFigureOut">
-              <a:rPr lang="en-US" dirty="0"/>
+            <a:fld id="{ACC989E4-B1EC-4F70-886B-7F967CC3DC88}" type="datetime1">
+              <a:rPr lang="en-US" smtClean="0"/>
               <a:t>11/9/2024</a:t>
             </a:fld>
             <a:endParaRPr lang="en-US" dirty="0"/>
@@ -6613,7 +6613,7 @@
     <p:sldLayoutId id="2147483706" r:id="rId10"/>
     <p:sldLayoutId id="2147483707" r:id="rId11"/>
   </p:sldLayoutIdLst>
-  <p:hf sldNum="0" hdr="0" ftr="0" dt="0"/>
+  <p:hf hdr="0" ftr="0" dt="0"/>
   <p:txStyles>
     <p:titleStyle>
       <a:lvl1pPr algn="ctr" defTabSz="914400" rtl="0" eaLnBrk="1" latinLnBrk="0" hangingPunct="1">
@@ -7003,6 +7003,36 @@
           </a:p>
         </p:txBody>
       </p:sp>
+      <p:sp>
+        <p:nvSpPr>
+          <p:cNvPr id="3" name="Slide Number Placeholder 2">
+            <a:extLst>
+              <a:ext uri="{FF2B5EF4-FFF2-40B4-BE49-F238E27FC236}">
+                <a16:creationId xmlns:a16="http://schemas.microsoft.com/office/drawing/2014/main" id="{EBD8D670-E2DD-7020-2102-7FB2B7B5A61E}"/>
+              </a:ext>
+            </a:extLst>
+          </p:cNvPr>
+          <p:cNvSpPr>
+            <a:spLocks noGrp="1"/>
+          </p:cNvSpPr>
+          <p:nvPr>
+            <p:ph type="sldNum" sz="quarter" idx="12"/>
+          </p:nvPr>
+        </p:nvSpPr>
+        <p:spPr/>
+        <p:txBody>
+          <a:bodyPr/>
+          <a:lstStyle/>
+          <a:p>
+            <a:fld id="{8A7A6979-0714-4377-B894-6BE4C2D6E202}" type="slidenum">
+              <a:rPr lang="en-US" smtClean="0"/>
+              <a:pPr/>
+              <a:t>1</a:t>
+            </a:fld>
+            <a:endParaRPr lang="en-US" dirty="0"/>
+          </a:p>
+        </p:txBody>
+      </p:sp>
     </p:spTree>
     <p:extLst>
       <p:ext uri="{BB962C8B-B14F-4D97-AF65-F5344CB8AC3E}">
@@ -7237,6 +7267,35 @@
           </a:prstGeom>
         </p:spPr>
       </p:pic>
+      <p:sp>
+        <p:nvSpPr>
+          <p:cNvPr id="3" name="Slide Number Placeholder 2">
+            <a:extLst>
+              <a:ext uri="{FF2B5EF4-FFF2-40B4-BE49-F238E27FC236}">
+                <a16:creationId xmlns:a16="http://schemas.microsoft.com/office/drawing/2014/main" id="{02BEE0F1-06FD-49E2-1B5F-B18AFA3A16E1}"/>
+              </a:ext>
+            </a:extLst>
+          </p:cNvPr>
+          <p:cNvSpPr>
+            <a:spLocks noGrp="1"/>
+          </p:cNvSpPr>
+          <p:nvPr>
+            <p:ph type="sldNum" sz="quarter" idx="12"/>
+          </p:nvPr>
+        </p:nvSpPr>
+        <p:spPr/>
+        <p:txBody>
+          <a:bodyPr/>
+          <a:lstStyle/>
+          <a:p>
+            <a:fld id="{8A7A6979-0714-4377-B894-6BE4C2D6E202}" type="slidenum">
+              <a:rPr lang="en-US" smtClean="0"/>
+              <a:t>10</a:t>
+            </a:fld>
+            <a:endParaRPr lang="en-US" dirty="0"/>
+          </a:p>
+        </p:txBody>
+      </p:sp>
     </p:spTree>
     <p:extLst>
       <p:ext uri="{BB962C8B-B14F-4D97-AF65-F5344CB8AC3E}">
@@ -7471,6 +7530,35 @@
           </a:prstGeom>
         </p:spPr>
       </p:pic>
+      <p:sp>
+        <p:nvSpPr>
+          <p:cNvPr id="3" name="Slide Number Placeholder 2">
+            <a:extLst>
+              <a:ext uri="{FF2B5EF4-FFF2-40B4-BE49-F238E27FC236}">
+                <a16:creationId xmlns:a16="http://schemas.microsoft.com/office/drawing/2014/main" id="{BB47A1CD-8820-FD97-BA40-47513BA18F5D}"/>
+              </a:ext>
+            </a:extLst>
+          </p:cNvPr>
+          <p:cNvSpPr>
+            <a:spLocks noGrp="1"/>
+          </p:cNvSpPr>
+          <p:nvPr>
+            <p:ph type="sldNum" sz="quarter" idx="12"/>
+          </p:nvPr>
+        </p:nvSpPr>
+        <p:spPr/>
+        <p:txBody>
+          <a:bodyPr/>
+          <a:lstStyle/>
+          <a:p>
+            <a:fld id="{8A7A6979-0714-4377-B894-6BE4C2D6E202}" type="slidenum">
+              <a:rPr lang="en-US" smtClean="0"/>
+              <a:t>11</a:t>
+            </a:fld>
+            <a:endParaRPr lang="en-US" dirty="0"/>
+          </a:p>
+        </p:txBody>
+      </p:sp>
     </p:spTree>
     <p:extLst>
       <p:ext uri="{BB962C8B-B14F-4D97-AF65-F5344CB8AC3E}">
@@ -7705,6 +7793,35 @@
           </a:prstGeom>
         </p:spPr>
       </p:pic>
+      <p:sp>
+        <p:nvSpPr>
+          <p:cNvPr id="3" name="Slide Number Placeholder 2">
+            <a:extLst>
+              <a:ext uri="{FF2B5EF4-FFF2-40B4-BE49-F238E27FC236}">
+                <a16:creationId xmlns:a16="http://schemas.microsoft.com/office/drawing/2014/main" id="{D3F4A6E3-2A8A-ADE5-80F0-4767AC8BFB7D}"/>
+              </a:ext>
+            </a:extLst>
+          </p:cNvPr>
+          <p:cNvSpPr>
+            <a:spLocks noGrp="1"/>
+          </p:cNvSpPr>
+          <p:nvPr>
+            <p:ph type="sldNum" sz="quarter" idx="12"/>
+          </p:nvPr>
+        </p:nvSpPr>
+        <p:spPr/>
+        <p:txBody>
+          <a:bodyPr/>
+          <a:lstStyle/>
+          <a:p>
+            <a:fld id="{8A7A6979-0714-4377-B894-6BE4C2D6E202}" type="slidenum">
+              <a:rPr lang="en-US" smtClean="0"/>
+              <a:t>12</a:t>
+            </a:fld>
+            <a:endParaRPr lang="en-US" dirty="0"/>
+          </a:p>
+        </p:txBody>
+      </p:sp>
     </p:spTree>
     <p:extLst>
       <p:ext uri="{BB962C8B-B14F-4D97-AF65-F5344CB8AC3E}">
@@ -8102,6 +8219,36 @@
               </a:rPr>
               <a:t>LANGUAGE</a:t>
             </a:r>
+          </a:p>
+        </p:txBody>
+      </p:sp>
+      <p:sp>
+        <p:nvSpPr>
+          <p:cNvPr id="4" name="Slide Number Placeholder 3">
+            <a:extLst>
+              <a:ext uri="{FF2B5EF4-FFF2-40B4-BE49-F238E27FC236}">
+                <a16:creationId xmlns:a16="http://schemas.microsoft.com/office/drawing/2014/main" id="{BB04D590-3E25-8B52-FDEA-1B03F648E972}"/>
+              </a:ext>
+            </a:extLst>
+          </p:cNvPr>
+          <p:cNvSpPr>
+            <a:spLocks noGrp="1"/>
+          </p:cNvSpPr>
+          <p:nvPr>
+            <p:ph type="sldNum" sz="quarter" idx="12"/>
+          </p:nvPr>
+        </p:nvSpPr>
+        <p:spPr/>
+        <p:txBody>
+          <a:bodyPr/>
+          <a:lstStyle/>
+          <a:p>
+            <a:fld id="{8A7A6979-0714-4377-B894-6BE4C2D6E202}" type="slidenum">
+              <a:rPr lang="en-US" smtClean="0"/>
+              <a:pPr/>
+              <a:t>13</a:t>
+            </a:fld>
+            <a:endParaRPr lang="en-US" dirty="0"/>
           </a:p>
         </p:txBody>
       </p:sp>
@@ -8338,6 +8485,35 @@
           </a:prstGeom>
         </p:spPr>
       </p:pic>
+      <p:sp>
+        <p:nvSpPr>
+          <p:cNvPr id="3" name="Slide Number Placeholder 2">
+            <a:extLst>
+              <a:ext uri="{FF2B5EF4-FFF2-40B4-BE49-F238E27FC236}">
+                <a16:creationId xmlns:a16="http://schemas.microsoft.com/office/drawing/2014/main" id="{FDB1149E-3641-5D07-6F10-291FB8233025}"/>
+              </a:ext>
+            </a:extLst>
+          </p:cNvPr>
+          <p:cNvSpPr>
+            <a:spLocks noGrp="1"/>
+          </p:cNvSpPr>
+          <p:nvPr>
+            <p:ph type="sldNum" sz="quarter" idx="12"/>
+          </p:nvPr>
+        </p:nvSpPr>
+        <p:spPr/>
+        <p:txBody>
+          <a:bodyPr/>
+          <a:lstStyle/>
+          <a:p>
+            <a:fld id="{8A7A6979-0714-4377-B894-6BE4C2D6E202}" type="slidenum">
+              <a:rPr lang="en-US" smtClean="0"/>
+              <a:t>14</a:t>
+            </a:fld>
+            <a:endParaRPr lang="en-US" dirty="0"/>
+          </a:p>
+        </p:txBody>
+      </p:sp>
     </p:spTree>
     <p:extLst>
       <p:ext uri="{BB962C8B-B14F-4D97-AF65-F5344CB8AC3E}">
@@ -8571,6 +8747,35 @@
           </a:prstGeom>
         </p:spPr>
       </p:pic>
+      <p:sp>
+        <p:nvSpPr>
+          <p:cNvPr id="3" name="Slide Number Placeholder 2">
+            <a:extLst>
+              <a:ext uri="{FF2B5EF4-FFF2-40B4-BE49-F238E27FC236}">
+                <a16:creationId xmlns:a16="http://schemas.microsoft.com/office/drawing/2014/main" id="{20EF5878-ECD0-54DC-3D22-9EEEA68266BB}"/>
+              </a:ext>
+            </a:extLst>
+          </p:cNvPr>
+          <p:cNvSpPr>
+            <a:spLocks noGrp="1"/>
+          </p:cNvSpPr>
+          <p:nvPr>
+            <p:ph type="sldNum" sz="quarter" idx="12"/>
+          </p:nvPr>
+        </p:nvSpPr>
+        <p:spPr/>
+        <p:txBody>
+          <a:bodyPr/>
+          <a:lstStyle/>
+          <a:p>
+            <a:fld id="{8A7A6979-0714-4377-B894-6BE4C2D6E202}" type="slidenum">
+              <a:rPr lang="en-US" smtClean="0"/>
+              <a:t>15</a:t>
+            </a:fld>
+            <a:endParaRPr lang="en-US" dirty="0"/>
+          </a:p>
+        </p:txBody>
+      </p:sp>
     </p:spTree>
     <p:extLst>
       <p:ext uri="{BB962C8B-B14F-4D97-AF65-F5344CB8AC3E}">
@@ -8804,6 +9009,35 @@
           </a:prstGeom>
         </p:spPr>
       </p:pic>
+      <p:sp>
+        <p:nvSpPr>
+          <p:cNvPr id="3" name="Slide Number Placeholder 2">
+            <a:extLst>
+              <a:ext uri="{FF2B5EF4-FFF2-40B4-BE49-F238E27FC236}">
+                <a16:creationId xmlns:a16="http://schemas.microsoft.com/office/drawing/2014/main" id="{4D7F1FC2-62A5-2AEC-15EA-557B0CDA9B36}"/>
+              </a:ext>
+            </a:extLst>
+          </p:cNvPr>
+          <p:cNvSpPr>
+            <a:spLocks noGrp="1"/>
+          </p:cNvSpPr>
+          <p:nvPr>
+            <p:ph type="sldNum" sz="quarter" idx="12"/>
+          </p:nvPr>
+        </p:nvSpPr>
+        <p:spPr/>
+        <p:txBody>
+          <a:bodyPr/>
+          <a:lstStyle/>
+          <a:p>
+            <a:fld id="{8A7A6979-0714-4377-B894-6BE4C2D6E202}" type="slidenum">
+              <a:rPr lang="en-US" smtClean="0"/>
+              <a:t>16</a:t>
+            </a:fld>
+            <a:endParaRPr lang="en-US" dirty="0"/>
+          </a:p>
+        </p:txBody>
+      </p:sp>
     </p:spTree>
     <p:extLst>
       <p:ext uri="{BB962C8B-B14F-4D97-AF65-F5344CB8AC3E}">
@@ -8888,6 +9122,36 @@
           <a:lstStyle/>
           <a:p>
             <a:endParaRPr lang="en-US"/>
+          </a:p>
+        </p:txBody>
+      </p:sp>
+      <p:sp>
+        <p:nvSpPr>
+          <p:cNvPr id="4" name="Slide Number Placeholder 3">
+            <a:extLst>
+              <a:ext uri="{FF2B5EF4-FFF2-40B4-BE49-F238E27FC236}">
+                <a16:creationId xmlns:a16="http://schemas.microsoft.com/office/drawing/2014/main" id="{27C38715-D602-3B1F-B5CC-BA0FE1B26333}"/>
+              </a:ext>
+            </a:extLst>
+          </p:cNvPr>
+          <p:cNvSpPr>
+            <a:spLocks noGrp="1"/>
+          </p:cNvSpPr>
+          <p:nvPr>
+            <p:ph type="sldNum" sz="quarter" idx="12"/>
+          </p:nvPr>
+        </p:nvSpPr>
+        <p:spPr/>
+        <p:txBody>
+          <a:bodyPr/>
+          <a:lstStyle/>
+          <a:p>
+            <a:fld id="{8A7A6979-0714-4377-B894-6BE4C2D6E202}" type="slidenum">
+              <a:rPr lang="en-US" smtClean="0"/>
+              <a:pPr/>
+              <a:t>17</a:t>
+            </a:fld>
+            <a:endParaRPr lang="en-US" dirty="0"/>
           </a:p>
         </p:txBody>
       </p:sp>
@@ -9314,6 +9578,36 @@
               </a:rPr>
               <a:t>SEARCH</a:t>
             </a:r>
+          </a:p>
+        </p:txBody>
+      </p:sp>
+      <p:sp>
+        <p:nvSpPr>
+          <p:cNvPr id="4" name="Slide Number Placeholder 3">
+            <a:extLst>
+              <a:ext uri="{FF2B5EF4-FFF2-40B4-BE49-F238E27FC236}">
+                <a16:creationId xmlns:a16="http://schemas.microsoft.com/office/drawing/2014/main" id="{D5D619AD-AC94-8A6F-DD3B-702E8EDC706B}"/>
+              </a:ext>
+            </a:extLst>
+          </p:cNvPr>
+          <p:cNvSpPr>
+            <a:spLocks noGrp="1"/>
+          </p:cNvSpPr>
+          <p:nvPr>
+            <p:ph type="sldNum" sz="quarter" idx="12"/>
+          </p:nvPr>
+        </p:nvSpPr>
+        <p:spPr/>
+        <p:txBody>
+          <a:bodyPr/>
+          <a:lstStyle/>
+          <a:p>
+            <a:fld id="{8A7A6979-0714-4377-B894-6BE4C2D6E202}" type="slidenum">
+              <a:rPr lang="en-US" smtClean="0"/>
+              <a:pPr/>
+              <a:t>18</a:t>
+            </a:fld>
+            <a:endParaRPr lang="en-US" dirty="0"/>
           </a:p>
         </p:txBody>
       </p:sp>
@@ -9557,6 +9851,35 @@
           </a:prstGeom>
         </p:spPr>
       </p:pic>
+      <p:sp>
+        <p:nvSpPr>
+          <p:cNvPr id="3" name="Slide Number Placeholder 2">
+            <a:extLst>
+              <a:ext uri="{FF2B5EF4-FFF2-40B4-BE49-F238E27FC236}">
+                <a16:creationId xmlns:a16="http://schemas.microsoft.com/office/drawing/2014/main" id="{BED13EAB-EBDF-2BD1-151E-AAA810B0F4C1}"/>
+              </a:ext>
+            </a:extLst>
+          </p:cNvPr>
+          <p:cNvSpPr>
+            <a:spLocks noGrp="1"/>
+          </p:cNvSpPr>
+          <p:nvPr>
+            <p:ph type="sldNum" sz="quarter" idx="12"/>
+          </p:nvPr>
+        </p:nvSpPr>
+        <p:spPr/>
+        <p:txBody>
+          <a:bodyPr/>
+          <a:lstStyle/>
+          <a:p>
+            <a:fld id="{8A7A6979-0714-4377-B894-6BE4C2D6E202}" type="slidenum">
+              <a:rPr lang="en-US" smtClean="0"/>
+              <a:t>19</a:t>
+            </a:fld>
+            <a:endParaRPr lang="en-US" dirty="0"/>
+          </a:p>
+        </p:txBody>
+      </p:sp>
     </p:spTree>
     <p:extLst>
       <p:ext uri="{BB962C8B-B14F-4D97-AF65-F5344CB8AC3E}">
@@ -9931,6 +10254,36 @@
             </a:r>
           </a:p>
           <a:p>
+            <a:endParaRPr lang="en-US" dirty="0"/>
+          </a:p>
+        </p:txBody>
+      </p:sp>
+      <p:sp>
+        <p:nvSpPr>
+          <p:cNvPr id="4" name="Slide Number Placeholder 3">
+            <a:extLst>
+              <a:ext uri="{FF2B5EF4-FFF2-40B4-BE49-F238E27FC236}">
+                <a16:creationId xmlns:a16="http://schemas.microsoft.com/office/drawing/2014/main" id="{320DCEFF-D4C4-234A-1760-DB842653F7F1}"/>
+              </a:ext>
+            </a:extLst>
+          </p:cNvPr>
+          <p:cNvSpPr>
+            <a:spLocks noGrp="1"/>
+          </p:cNvSpPr>
+          <p:nvPr>
+            <p:ph type="sldNum" sz="quarter" idx="12"/>
+          </p:nvPr>
+        </p:nvSpPr>
+        <p:spPr/>
+        <p:txBody>
+          <a:bodyPr/>
+          <a:lstStyle/>
+          <a:p>
+            <a:fld id="{8A7A6979-0714-4377-B894-6BE4C2D6E202}" type="slidenum">
+              <a:rPr lang="en-US" smtClean="0"/>
+              <a:pPr/>
+              <a:t>2</a:t>
+            </a:fld>
             <a:endParaRPr lang="en-US" dirty="0"/>
           </a:p>
         </p:txBody>
@@ -10175,6 +10528,35 @@
           </a:prstGeom>
         </p:spPr>
       </p:pic>
+      <p:sp>
+        <p:nvSpPr>
+          <p:cNvPr id="3" name="Slide Number Placeholder 2">
+            <a:extLst>
+              <a:ext uri="{FF2B5EF4-FFF2-40B4-BE49-F238E27FC236}">
+                <a16:creationId xmlns:a16="http://schemas.microsoft.com/office/drawing/2014/main" id="{7C3E9324-C32C-7BA9-2342-C533A99E5785}"/>
+              </a:ext>
+            </a:extLst>
+          </p:cNvPr>
+          <p:cNvSpPr>
+            <a:spLocks noGrp="1"/>
+          </p:cNvSpPr>
+          <p:nvPr>
+            <p:ph type="sldNum" sz="quarter" idx="12"/>
+          </p:nvPr>
+        </p:nvSpPr>
+        <p:spPr/>
+        <p:txBody>
+          <a:bodyPr/>
+          <a:lstStyle/>
+          <a:p>
+            <a:fld id="{8A7A6979-0714-4377-B894-6BE4C2D6E202}" type="slidenum">
+              <a:rPr lang="en-US" smtClean="0"/>
+              <a:t>20</a:t>
+            </a:fld>
+            <a:endParaRPr lang="en-US" dirty="0"/>
+          </a:p>
+        </p:txBody>
+      </p:sp>
     </p:spTree>
     <p:extLst>
       <p:ext uri="{BB962C8B-B14F-4D97-AF65-F5344CB8AC3E}">
@@ -10415,6 +10797,35 @@
           </a:prstGeom>
         </p:spPr>
       </p:pic>
+      <p:sp>
+        <p:nvSpPr>
+          <p:cNvPr id="3" name="Slide Number Placeholder 2">
+            <a:extLst>
+              <a:ext uri="{FF2B5EF4-FFF2-40B4-BE49-F238E27FC236}">
+                <a16:creationId xmlns:a16="http://schemas.microsoft.com/office/drawing/2014/main" id="{68D0AB5C-E48C-4857-65DD-5DA5A9CD8B11}"/>
+              </a:ext>
+            </a:extLst>
+          </p:cNvPr>
+          <p:cNvSpPr>
+            <a:spLocks noGrp="1"/>
+          </p:cNvSpPr>
+          <p:nvPr>
+            <p:ph type="sldNum" sz="quarter" idx="12"/>
+          </p:nvPr>
+        </p:nvSpPr>
+        <p:spPr/>
+        <p:txBody>
+          <a:bodyPr/>
+          <a:lstStyle/>
+          <a:p>
+            <a:fld id="{8A7A6979-0714-4377-B894-6BE4C2D6E202}" type="slidenum">
+              <a:rPr lang="en-US" smtClean="0"/>
+              <a:t>21</a:t>
+            </a:fld>
+            <a:endParaRPr lang="en-US" dirty="0"/>
+          </a:p>
+        </p:txBody>
+      </p:sp>
     </p:spTree>
     <p:extLst>
       <p:ext uri="{BB962C8B-B14F-4D97-AF65-F5344CB8AC3E}">
@@ -10655,6 +11066,35 @@
           </a:prstGeom>
         </p:spPr>
       </p:pic>
+      <p:sp>
+        <p:nvSpPr>
+          <p:cNvPr id="3" name="Slide Number Placeholder 2">
+            <a:extLst>
+              <a:ext uri="{FF2B5EF4-FFF2-40B4-BE49-F238E27FC236}">
+                <a16:creationId xmlns:a16="http://schemas.microsoft.com/office/drawing/2014/main" id="{359044CA-D706-391F-B7BC-6079F54559A3}"/>
+              </a:ext>
+            </a:extLst>
+          </p:cNvPr>
+          <p:cNvSpPr>
+            <a:spLocks noGrp="1"/>
+          </p:cNvSpPr>
+          <p:nvPr>
+            <p:ph type="sldNum" sz="quarter" idx="12"/>
+          </p:nvPr>
+        </p:nvSpPr>
+        <p:spPr/>
+        <p:txBody>
+          <a:bodyPr/>
+          <a:lstStyle/>
+          <a:p>
+            <a:fld id="{8A7A6979-0714-4377-B894-6BE4C2D6E202}" type="slidenum">
+              <a:rPr lang="en-US" smtClean="0"/>
+              <a:t>22</a:t>
+            </a:fld>
+            <a:endParaRPr lang="en-US" dirty="0"/>
+          </a:p>
+        </p:txBody>
+      </p:sp>
     </p:spTree>
     <p:extLst>
       <p:ext uri="{BB962C8B-B14F-4D97-AF65-F5344CB8AC3E}">
@@ -11077,6 +11517,36 @@
               </a:rPr>
               <a:t>LANGUAGE</a:t>
             </a:r>
+          </a:p>
+        </p:txBody>
+      </p:sp>
+      <p:sp>
+        <p:nvSpPr>
+          <p:cNvPr id="4" name="Slide Number Placeholder 3">
+            <a:extLst>
+              <a:ext uri="{FF2B5EF4-FFF2-40B4-BE49-F238E27FC236}">
+                <a16:creationId xmlns:a16="http://schemas.microsoft.com/office/drawing/2014/main" id="{C1E22D19-0BDA-EECB-62A6-4068B0C42507}"/>
+              </a:ext>
+            </a:extLst>
+          </p:cNvPr>
+          <p:cNvSpPr>
+            <a:spLocks noGrp="1"/>
+          </p:cNvSpPr>
+          <p:nvPr>
+            <p:ph type="sldNum" sz="quarter" idx="12"/>
+          </p:nvPr>
+        </p:nvSpPr>
+        <p:spPr/>
+        <p:txBody>
+          <a:bodyPr/>
+          <a:lstStyle/>
+          <a:p>
+            <a:fld id="{8A7A6979-0714-4377-B894-6BE4C2D6E202}" type="slidenum">
+              <a:rPr lang="en-US" smtClean="0"/>
+              <a:pPr/>
+              <a:t>23</a:t>
+            </a:fld>
+            <a:endParaRPr lang="en-US" dirty="0"/>
           </a:p>
         </p:txBody>
       </p:sp>
@@ -11353,6 +11823,35 @@
           </a:prstGeom>
         </p:spPr>
       </p:pic>
+      <p:sp>
+        <p:nvSpPr>
+          <p:cNvPr id="3" name="Slide Number Placeholder 2">
+            <a:extLst>
+              <a:ext uri="{FF2B5EF4-FFF2-40B4-BE49-F238E27FC236}">
+                <a16:creationId xmlns:a16="http://schemas.microsoft.com/office/drawing/2014/main" id="{CC2C6AED-7596-5179-191E-F4C72AC54306}"/>
+              </a:ext>
+            </a:extLst>
+          </p:cNvPr>
+          <p:cNvSpPr>
+            <a:spLocks noGrp="1"/>
+          </p:cNvSpPr>
+          <p:nvPr>
+            <p:ph type="sldNum" sz="quarter" idx="12"/>
+          </p:nvPr>
+        </p:nvSpPr>
+        <p:spPr/>
+        <p:txBody>
+          <a:bodyPr/>
+          <a:lstStyle/>
+          <a:p>
+            <a:fld id="{8A7A6979-0714-4377-B894-6BE4C2D6E202}" type="slidenum">
+              <a:rPr lang="en-US" smtClean="0"/>
+              <a:t>24</a:t>
+            </a:fld>
+            <a:endParaRPr lang="en-US" dirty="0"/>
+          </a:p>
+        </p:txBody>
+      </p:sp>
     </p:spTree>
     <p:extLst>
       <p:ext uri="{BB962C8B-B14F-4D97-AF65-F5344CB8AC3E}">
@@ -11668,6 +12167,35 @@
           </a:prstGeom>
         </p:spPr>
       </p:pic>
+      <p:sp>
+        <p:nvSpPr>
+          <p:cNvPr id="3" name="Slide Number Placeholder 2">
+            <a:extLst>
+              <a:ext uri="{FF2B5EF4-FFF2-40B4-BE49-F238E27FC236}">
+                <a16:creationId xmlns:a16="http://schemas.microsoft.com/office/drawing/2014/main" id="{45BD8762-9111-C3D3-46BA-9538C85D6587}"/>
+              </a:ext>
+            </a:extLst>
+          </p:cNvPr>
+          <p:cNvSpPr>
+            <a:spLocks noGrp="1"/>
+          </p:cNvSpPr>
+          <p:nvPr>
+            <p:ph type="sldNum" sz="quarter" idx="12"/>
+          </p:nvPr>
+        </p:nvSpPr>
+        <p:spPr/>
+        <p:txBody>
+          <a:bodyPr/>
+          <a:lstStyle/>
+          <a:p>
+            <a:fld id="{8A7A6979-0714-4377-B894-6BE4C2D6E202}" type="slidenum">
+              <a:rPr lang="en-US" smtClean="0"/>
+              <a:t>25</a:t>
+            </a:fld>
+            <a:endParaRPr lang="en-US" dirty="0"/>
+          </a:p>
+        </p:txBody>
+      </p:sp>
     </p:spTree>
     <p:extLst>
       <p:ext uri="{BB962C8B-B14F-4D97-AF65-F5344CB8AC3E}">
@@ -11906,6 +12434,35 @@
           </a:prstGeom>
         </p:spPr>
       </p:pic>
+      <p:sp>
+        <p:nvSpPr>
+          <p:cNvPr id="3" name="Slide Number Placeholder 2">
+            <a:extLst>
+              <a:ext uri="{FF2B5EF4-FFF2-40B4-BE49-F238E27FC236}">
+                <a16:creationId xmlns:a16="http://schemas.microsoft.com/office/drawing/2014/main" id="{5262331D-21DC-D03A-55C2-E2B68A73ADB2}"/>
+              </a:ext>
+            </a:extLst>
+          </p:cNvPr>
+          <p:cNvSpPr>
+            <a:spLocks noGrp="1"/>
+          </p:cNvSpPr>
+          <p:nvPr>
+            <p:ph type="sldNum" sz="quarter" idx="12"/>
+          </p:nvPr>
+        </p:nvSpPr>
+        <p:spPr/>
+        <p:txBody>
+          <a:bodyPr/>
+          <a:lstStyle/>
+          <a:p>
+            <a:fld id="{8A7A6979-0714-4377-B894-6BE4C2D6E202}" type="slidenum">
+              <a:rPr lang="en-US" smtClean="0"/>
+              <a:t>26</a:t>
+            </a:fld>
+            <a:endParaRPr lang="en-US" dirty="0"/>
+          </a:p>
+        </p:txBody>
+      </p:sp>
     </p:spTree>
     <p:extLst>
       <p:ext uri="{BB962C8B-B14F-4D97-AF65-F5344CB8AC3E}">
@@ -11987,6 +12544,36 @@
           <a:lstStyle/>
           <a:p>
             <a:endParaRPr lang="en-US"/>
+          </a:p>
+        </p:txBody>
+      </p:sp>
+      <p:sp>
+        <p:nvSpPr>
+          <p:cNvPr id="4" name="Slide Number Placeholder 3">
+            <a:extLst>
+              <a:ext uri="{FF2B5EF4-FFF2-40B4-BE49-F238E27FC236}">
+                <a16:creationId xmlns:a16="http://schemas.microsoft.com/office/drawing/2014/main" id="{E844341C-1AF0-8D70-4564-CC0F63A96417}"/>
+              </a:ext>
+            </a:extLst>
+          </p:cNvPr>
+          <p:cNvSpPr>
+            <a:spLocks noGrp="1"/>
+          </p:cNvSpPr>
+          <p:nvPr>
+            <p:ph type="sldNum" sz="quarter" idx="12"/>
+          </p:nvPr>
+        </p:nvSpPr>
+        <p:spPr/>
+        <p:txBody>
+          <a:bodyPr/>
+          <a:lstStyle/>
+          <a:p>
+            <a:fld id="{8A7A6979-0714-4377-B894-6BE4C2D6E202}" type="slidenum">
+              <a:rPr lang="en-US" smtClean="0"/>
+              <a:pPr/>
+              <a:t>27</a:t>
+            </a:fld>
+            <a:endParaRPr lang="en-US" dirty="0"/>
           </a:p>
         </p:txBody>
       </p:sp>
@@ -12126,6 +12713,35 @@
           </a:prstGeom>
         </p:spPr>
       </p:pic>
+      <p:sp>
+        <p:nvSpPr>
+          <p:cNvPr id="3" name="Slide Number Placeholder 2">
+            <a:extLst>
+              <a:ext uri="{FF2B5EF4-FFF2-40B4-BE49-F238E27FC236}">
+                <a16:creationId xmlns:a16="http://schemas.microsoft.com/office/drawing/2014/main" id="{34308DAB-2ECD-A3D6-F4BB-F783A986EC58}"/>
+              </a:ext>
+            </a:extLst>
+          </p:cNvPr>
+          <p:cNvSpPr>
+            <a:spLocks noGrp="1"/>
+          </p:cNvSpPr>
+          <p:nvPr>
+            <p:ph type="sldNum" sz="quarter" idx="12"/>
+          </p:nvPr>
+        </p:nvSpPr>
+        <p:spPr/>
+        <p:txBody>
+          <a:bodyPr/>
+          <a:lstStyle/>
+          <a:p>
+            <a:fld id="{8A7A6979-0714-4377-B894-6BE4C2D6E202}" type="slidenum">
+              <a:rPr lang="en-US" smtClean="0"/>
+              <a:t>28</a:t>
+            </a:fld>
+            <a:endParaRPr lang="en-US" dirty="0"/>
+          </a:p>
+        </p:txBody>
+      </p:sp>
     </p:spTree>
     <p:extLst>
       <p:ext uri="{BB962C8B-B14F-4D97-AF65-F5344CB8AC3E}">
@@ -12365,6 +12981,36 @@
           </a:p>
         </p:txBody>
       </p:sp>
+      <p:sp>
+        <p:nvSpPr>
+          <p:cNvPr id="4" name="Slide Number Placeholder 3">
+            <a:extLst>
+              <a:ext uri="{FF2B5EF4-FFF2-40B4-BE49-F238E27FC236}">
+                <a16:creationId xmlns:a16="http://schemas.microsoft.com/office/drawing/2014/main" id="{EA101127-1291-E7CE-7E0D-913C50FC843E}"/>
+              </a:ext>
+            </a:extLst>
+          </p:cNvPr>
+          <p:cNvSpPr>
+            <a:spLocks noGrp="1"/>
+          </p:cNvSpPr>
+          <p:nvPr>
+            <p:ph type="sldNum" sz="quarter" idx="12"/>
+          </p:nvPr>
+        </p:nvSpPr>
+        <p:spPr/>
+        <p:txBody>
+          <a:bodyPr/>
+          <a:lstStyle/>
+          <a:p>
+            <a:fld id="{8A7A6979-0714-4377-B894-6BE4C2D6E202}" type="slidenum">
+              <a:rPr lang="en-US" smtClean="0"/>
+              <a:pPr/>
+              <a:t>29</a:t>
+            </a:fld>
+            <a:endParaRPr lang="en-US" dirty="0"/>
+          </a:p>
+        </p:txBody>
+      </p:sp>
     </p:spTree>
     <p:extLst>
       <p:ext uri="{BB962C8B-B14F-4D97-AF65-F5344CB8AC3E}">
@@ -12605,6 +13251,36 @@
           </a:graphicData>
         </a:graphic>
       </p:graphicFrame>
+      <p:sp>
+        <p:nvSpPr>
+          <p:cNvPr id="3" name="Slide Number Placeholder 2">
+            <a:extLst>
+              <a:ext uri="{FF2B5EF4-FFF2-40B4-BE49-F238E27FC236}">
+                <a16:creationId xmlns:a16="http://schemas.microsoft.com/office/drawing/2014/main" id="{4A798E85-10B9-1664-016E-A3437F6A34E7}"/>
+              </a:ext>
+            </a:extLst>
+          </p:cNvPr>
+          <p:cNvSpPr>
+            <a:spLocks noGrp="1"/>
+          </p:cNvSpPr>
+          <p:nvPr>
+            <p:ph type="sldNum" sz="quarter" idx="12"/>
+          </p:nvPr>
+        </p:nvSpPr>
+        <p:spPr/>
+        <p:txBody>
+          <a:bodyPr/>
+          <a:lstStyle/>
+          <a:p>
+            <a:fld id="{8A7A6979-0714-4377-B894-6BE4C2D6E202}" type="slidenum">
+              <a:rPr lang="en-US" smtClean="0"/>
+              <a:pPr/>
+              <a:t>3</a:t>
+            </a:fld>
+            <a:endParaRPr lang="en-US" dirty="0"/>
+          </a:p>
+        </p:txBody>
+      </p:sp>
     </p:spTree>
     <p:extLst>
       <p:ext uri="{BB962C8B-B14F-4D97-AF65-F5344CB8AC3E}">
@@ -12686,6 +13362,36 @@
           <a:lstStyle/>
           <a:p>
             <a:endParaRPr lang="en-US"/>
+          </a:p>
+        </p:txBody>
+      </p:sp>
+      <p:sp>
+        <p:nvSpPr>
+          <p:cNvPr id="4" name="Slide Number Placeholder 3">
+            <a:extLst>
+              <a:ext uri="{FF2B5EF4-FFF2-40B4-BE49-F238E27FC236}">
+                <a16:creationId xmlns:a16="http://schemas.microsoft.com/office/drawing/2014/main" id="{C65A9869-258C-5E82-4195-05E7AA2928D5}"/>
+              </a:ext>
+            </a:extLst>
+          </p:cNvPr>
+          <p:cNvSpPr>
+            <a:spLocks noGrp="1"/>
+          </p:cNvSpPr>
+          <p:nvPr>
+            <p:ph type="sldNum" sz="quarter" idx="12"/>
+          </p:nvPr>
+        </p:nvSpPr>
+        <p:spPr/>
+        <p:txBody>
+          <a:bodyPr/>
+          <a:lstStyle/>
+          <a:p>
+            <a:fld id="{8A7A6979-0714-4377-B894-6BE4C2D6E202}" type="slidenum">
+              <a:rPr lang="en-US" smtClean="0"/>
+              <a:pPr/>
+              <a:t>30</a:t>
+            </a:fld>
+            <a:endParaRPr lang="en-US" dirty="0"/>
           </a:p>
         </p:txBody>
       </p:sp>
@@ -12763,6 +13469,36 @@
           </a:p>
         </p:txBody>
       </p:sp>
+      <p:sp>
+        <p:nvSpPr>
+          <p:cNvPr id="3" name="Slide Number Placeholder 2">
+            <a:extLst>
+              <a:ext uri="{FF2B5EF4-FFF2-40B4-BE49-F238E27FC236}">
+                <a16:creationId xmlns:a16="http://schemas.microsoft.com/office/drawing/2014/main" id="{E9EC2A67-A94D-E97D-C792-6A9A43BF68C3}"/>
+              </a:ext>
+            </a:extLst>
+          </p:cNvPr>
+          <p:cNvSpPr>
+            <a:spLocks noGrp="1"/>
+          </p:cNvSpPr>
+          <p:nvPr>
+            <p:ph type="sldNum" sz="quarter" idx="12"/>
+          </p:nvPr>
+        </p:nvSpPr>
+        <p:spPr/>
+        <p:txBody>
+          <a:bodyPr/>
+          <a:lstStyle/>
+          <a:p>
+            <a:fld id="{8A7A6979-0714-4377-B894-6BE4C2D6E202}" type="slidenum">
+              <a:rPr lang="en-US" smtClean="0"/>
+              <a:pPr/>
+              <a:t>31</a:t>
+            </a:fld>
+            <a:endParaRPr lang="en-US" dirty="0"/>
+          </a:p>
+        </p:txBody>
+      </p:sp>
     </p:spTree>
     <p:extLst>
       <p:ext uri="{BB962C8B-B14F-4D97-AF65-F5344CB8AC3E}">
@@ -12844,6 +13580,36 @@
           <a:lstStyle/>
           <a:p>
             <a:endParaRPr lang="en-US"/>
+          </a:p>
+        </p:txBody>
+      </p:sp>
+      <p:sp>
+        <p:nvSpPr>
+          <p:cNvPr id="4" name="Slide Number Placeholder 3">
+            <a:extLst>
+              <a:ext uri="{FF2B5EF4-FFF2-40B4-BE49-F238E27FC236}">
+                <a16:creationId xmlns:a16="http://schemas.microsoft.com/office/drawing/2014/main" id="{6C384DEA-BEC2-71AC-ACA7-A1CEE671716B}"/>
+              </a:ext>
+            </a:extLst>
+          </p:cNvPr>
+          <p:cNvSpPr>
+            <a:spLocks noGrp="1"/>
+          </p:cNvSpPr>
+          <p:nvPr>
+            <p:ph type="sldNum" sz="quarter" idx="12"/>
+          </p:nvPr>
+        </p:nvSpPr>
+        <p:spPr/>
+        <p:txBody>
+          <a:bodyPr/>
+          <a:lstStyle/>
+          <a:p>
+            <a:fld id="{8A7A6979-0714-4377-B894-6BE4C2D6E202}" type="slidenum">
+              <a:rPr lang="en-US" smtClean="0"/>
+              <a:pPr/>
+              <a:t>4</a:t>
+            </a:fld>
+            <a:endParaRPr lang="en-US" dirty="0"/>
           </a:p>
         </p:txBody>
       </p:sp>
@@ -13089,6 +13855,36 @@
           </a:extLst>
         </p:spPr>
       </p:pic>
+      <p:sp>
+        <p:nvSpPr>
+          <p:cNvPr id="3" name="Slide Number Placeholder 2">
+            <a:extLst>
+              <a:ext uri="{FF2B5EF4-FFF2-40B4-BE49-F238E27FC236}">
+                <a16:creationId xmlns:a16="http://schemas.microsoft.com/office/drawing/2014/main" id="{7C4C9EE4-06C7-AA61-8F85-2777FDD329BC}"/>
+              </a:ext>
+            </a:extLst>
+          </p:cNvPr>
+          <p:cNvSpPr>
+            <a:spLocks noGrp="1"/>
+          </p:cNvSpPr>
+          <p:nvPr>
+            <p:ph type="sldNum" sz="quarter" idx="12"/>
+          </p:nvPr>
+        </p:nvSpPr>
+        <p:spPr/>
+        <p:txBody>
+          <a:bodyPr/>
+          <a:lstStyle/>
+          <a:p>
+            <a:fld id="{8A7A6979-0714-4377-B894-6BE4C2D6E202}" type="slidenum">
+              <a:rPr lang="en-US" smtClean="0"/>
+              <a:pPr/>
+              <a:t>5</a:t>
+            </a:fld>
+            <a:endParaRPr lang="en-US" dirty="0"/>
+          </a:p>
+        </p:txBody>
+      </p:sp>
     </p:spTree>
     <p:extLst>
       <p:ext uri="{BB962C8B-B14F-4D97-AF65-F5344CB8AC3E}">
@@ -13346,6 +14142,36 @@
           </a:p>
         </p:txBody>
       </p:sp>
+      <p:sp>
+        <p:nvSpPr>
+          <p:cNvPr id="4" name="Slide Number Placeholder 3">
+            <a:extLst>
+              <a:ext uri="{FF2B5EF4-FFF2-40B4-BE49-F238E27FC236}">
+                <a16:creationId xmlns:a16="http://schemas.microsoft.com/office/drawing/2014/main" id="{A2BE434D-98BD-F220-C30C-B966FDDB341F}"/>
+              </a:ext>
+            </a:extLst>
+          </p:cNvPr>
+          <p:cNvSpPr>
+            <a:spLocks noGrp="1"/>
+          </p:cNvSpPr>
+          <p:nvPr>
+            <p:ph type="sldNum" sz="quarter" idx="12"/>
+          </p:nvPr>
+        </p:nvSpPr>
+        <p:spPr/>
+        <p:txBody>
+          <a:bodyPr/>
+          <a:lstStyle/>
+          <a:p>
+            <a:fld id="{8A7A6979-0714-4377-B894-6BE4C2D6E202}" type="slidenum">
+              <a:rPr lang="en-US" smtClean="0"/>
+              <a:pPr/>
+              <a:t>6</a:t>
+            </a:fld>
+            <a:endParaRPr lang="en-US" dirty="0"/>
+          </a:p>
+        </p:txBody>
+      </p:sp>
     </p:spTree>
     <p:extLst>
       <p:ext uri="{BB962C8B-B14F-4D97-AF65-F5344CB8AC3E}">
@@ -13427,6 +14253,36 @@
           <a:lstStyle/>
           <a:p>
             <a:endParaRPr lang="en-US"/>
+          </a:p>
+        </p:txBody>
+      </p:sp>
+      <p:sp>
+        <p:nvSpPr>
+          <p:cNvPr id="4" name="Slide Number Placeholder 3">
+            <a:extLst>
+              <a:ext uri="{FF2B5EF4-FFF2-40B4-BE49-F238E27FC236}">
+                <a16:creationId xmlns:a16="http://schemas.microsoft.com/office/drawing/2014/main" id="{4DD15408-EF1F-23D2-F643-49DBD463C527}"/>
+              </a:ext>
+            </a:extLst>
+          </p:cNvPr>
+          <p:cNvSpPr>
+            <a:spLocks noGrp="1"/>
+          </p:cNvSpPr>
+          <p:nvPr>
+            <p:ph type="sldNum" sz="quarter" idx="12"/>
+          </p:nvPr>
+        </p:nvSpPr>
+        <p:spPr/>
+        <p:txBody>
+          <a:bodyPr/>
+          <a:lstStyle/>
+          <a:p>
+            <a:fld id="{8A7A6979-0714-4377-B894-6BE4C2D6E202}" type="slidenum">
+              <a:rPr lang="en-US" smtClean="0"/>
+              <a:pPr/>
+              <a:t>7</a:t>
+            </a:fld>
+            <a:endParaRPr lang="en-US" dirty="0"/>
           </a:p>
         </p:txBody>
       </p:sp>
@@ -13847,6 +14703,36 @@
               </a:rPr>
               <a:t>SEARCH</a:t>
             </a:r>
+          </a:p>
+        </p:txBody>
+      </p:sp>
+      <p:sp>
+        <p:nvSpPr>
+          <p:cNvPr id="4" name="Slide Number Placeholder 3">
+            <a:extLst>
+              <a:ext uri="{FF2B5EF4-FFF2-40B4-BE49-F238E27FC236}">
+                <a16:creationId xmlns:a16="http://schemas.microsoft.com/office/drawing/2014/main" id="{06C40756-1CE4-8EAD-49A2-96244FF79A9B}"/>
+              </a:ext>
+            </a:extLst>
+          </p:cNvPr>
+          <p:cNvSpPr>
+            <a:spLocks noGrp="1"/>
+          </p:cNvSpPr>
+          <p:nvPr>
+            <p:ph type="sldNum" sz="quarter" idx="12"/>
+          </p:nvPr>
+        </p:nvSpPr>
+        <p:spPr/>
+        <p:txBody>
+          <a:bodyPr/>
+          <a:lstStyle/>
+          <a:p>
+            <a:fld id="{8A7A6979-0714-4377-B894-6BE4C2D6E202}" type="slidenum">
+              <a:rPr lang="en-US" smtClean="0"/>
+              <a:pPr/>
+              <a:t>8</a:t>
+            </a:fld>
+            <a:endParaRPr lang="en-US" dirty="0"/>
           </a:p>
         </p:txBody>
       </p:sp>
@@ -14096,6 +14982,35 @@
           </a:blipFill>
         </p:spPr>
       </p:pic>
+      <p:sp>
+        <p:nvSpPr>
+          <p:cNvPr id="3" name="Slide Number Placeholder 2">
+            <a:extLst>
+              <a:ext uri="{FF2B5EF4-FFF2-40B4-BE49-F238E27FC236}">
+                <a16:creationId xmlns:a16="http://schemas.microsoft.com/office/drawing/2014/main" id="{776578FF-EE27-657B-5EB4-8C916F9F3E22}"/>
+              </a:ext>
+            </a:extLst>
+          </p:cNvPr>
+          <p:cNvSpPr>
+            <a:spLocks noGrp="1"/>
+          </p:cNvSpPr>
+          <p:nvPr>
+            <p:ph type="sldNum" sz="quarter" idx="12"/>
+          </p:nvPr>
+        </p:nvSpPr>
+        <p:spPr/>
+        <p:txBody>
+          <a:bodyPr/>
+          <a:lstStyle/>
+          <a:p>
+            <a:fld id="{8A7A6979-0714-4377-B894-6BE4C2D6E202}" type="slidenum">
+              <a:rPr lang="en-US" smtClean="0"/>
+              <a:t>9</a:t>
+            </a:fld>
+            <a:endParaRPr lang="en-US" dirty="0"/>
+          </a:p>
+        </p:txBody>
+      </p:sp>
     </p:spTree>
     <p:extLst>
       <p:ext uri="{BB962C8B-B14F-4D97-AF65-F5344CB8AC3E}">
